--- a/documentation/presentations/PRSE_SS22-Release2_Presentation.pptx
+++ b/documentation/presentations/PRSE_SS22-Release2_Presentation.pptx
@@ -280,7 +280,7 @@
       </p15:sldGuideLst>
     </p:ext>
     <p:ext uri="http://customooxmlschemas.google.com/">
-      <go:slidesCustomData xmlns="" xmlns:mc="http://schemas.openxmlformats.org/markup-compatibility/2006" xmlns:mv="urn:schemas-microsoft-com:mac:vml" xmlns:c="http://schemas.openxmlformats.org/drawingml/2006/chart" xmlns:dgm="http://schemas.openxmlformats.org/drawingml/2006/diagram" xmlns:o="urn:schemas-microsoft-com:office:office" xmlns:v="urn:schemas-microsoft-com:vml" xmlns:pvml="urn:schemas-microsoft-com:office:powerpoint" xmlns:com="http://schemas.openxmlformats.org/drawingml/2006/compatibility" xmlns:p14="http://schemas.microsoft.com/office/powerpoint/2010/main" xmlns:p15="http://schemas.microsoft.com/office/powerpoint/2012/main" xmlns:go="http://customooxmlschemas.google.com/" r:id="rId22" roundtripDataSignature="AMtx7mhaA5WXhyXkxY3REEG0V10yJknC+Q=="/>
+      <go:slidesCustomData xmlns:go="http://customooxmlschemas.google.com/" xmlns:p15="http://schemas.microsoft.com/office/powerpoint/2012/main" xmlns:p14="http://schemas.microsoft.com/office/powerpoint/2010/main" xmlns:com="http://schemas.openxmlformats.org/drawingml/2006/compatibility" xmlns:pvml="urn:schemas-microsoft-com:office:powerpoint" xmlns:v="urn:schemas-microsoft-com:vml" xmlns:o="urn:schemas-microsoft-com:office:office" xmlns:dgm="http://schemas.openxmlformats.org/drawingml/2006/diagram" xmlns:c="http://schemas.openxmlformats.org/drawingml/2006/chart" xmlns:mv="urn:schemas-microsoft-com:mac:vml" xmlns:mc="http://schemas.openxmlformats.org/markup-compatibility/2006" xmlns="" r:id="rId22" roundtripDataSignature="AMtx7mhaA5WXhyXkxY3REEG0V10yJknC+Q=="/>
     </p:ext>
   </p:extLst>
 </p:presentation>
@@ -25029,14 +25029,14 @@
           <p:nvPr>
             <p:extLst>
               <p:ext uri="{D42A27DB-BD31-4B8C-83A1-F6EECF244321}">
-                <p14:modId xmlns:p14="http://schemas.microsoft.com/office/powerpoint/2010/main" val="2550089808"/>
+                <p14:modId xmlns:p14="http://schemas.microsoft.com/office/powerpoint/2010/main" val="1675700089"/>
               </p:ext>
             </p:extLst>
           </p:nvPr>
         </p:nvGraphicFramePr>
         <p:xfrm>
-          <a:off x="424206" y="1319752"/>
-          <a:ext cx="8455842" cy="3616957"/>
+          <a:off x="344079" y="518473"/>
+          <a:ext cx="8455842" cy="5323837"/>
         </p:xfrm>
         <a:graphic>
           <a:graphicData uri="http://schemas.openxmlformats.org/drawingml/2006/table">
@@ -25403,7 +25403,10 @@
                     <a:bodyPr/>
                     <a:lstStyle/>
                     <a:p>
-                      <a:endParaRPr lang="de-DE"/>
+                      <a:r>
+                        <a:rPr lang="de-DE" dirty="0"/>
+                        <a:t>Front-End: GUI</a:t>
+                      </a:r>
                     </a:p>
                   </a:txBody>
                   <a:tcPr/>
@@ -25413,6 +25416,94 @@
                     <a:bodyPr/>
                     <a:lstStyle/>
                     <a:p>
+                      <a:r>
+                        <a:rPr lang="de-DE" dirty="0"/>
+                        <a:t>New </a:t>
+                      </a:r>
+                      <a:r>
+                        <a:rPr lang="de-DE" dirty="0" err="1"/>
+                        <a:t>room</a:t>
+                      </a:r>
+                      <a:endParaRPr lang="de-DE" dirty="0"/>
+                    </a:p>
+                    <a:p>
+                      <a:r>
+                        <a:rPr lang="de-DE" dirty="0"/>
+                        <a:t>Controller </a:t>
+                      </a:r>
+                      <a:r>
+                        <a:rPr lang="de-DE" dirty="0" err="1"/>
+                        <a:t>created</a:t>
+                      </a:r>
+                      <a:endParaRPr lang="de-DE" dirty="0"/>
+                    </a:p>
+                    <a:p>
+                      <a:r>
+                        <a:rPr lang="de-DE" dirty="0"/>
+                        <a:t>New </a:t>
+                      </a:r>
+                      <a:r>
+                        <a:rPr lang="de-DE" dirty="0" err="1"/>
+                        <a:t>files</a:t>
+                      </a:r>
+                      <a:endParaRPr lang="de-DE" dirty="0"/>
+                    </a:p>
+                    <a:p>
+                      <a:r>
+                        <a:rPr lang="de-DE" dirty="0"/>
+                        <a:t>Links</a:t>
+                      </a:r>
+                    </a:p>
+                    <a:p>
+                      <a:r>
+                        <a:rPr lang="de-DE" dirty="0"/>
+                        <a:t>Import</a:t>
+                      </a:r>
+                    </a:p>
+                    <a:p>
+                      <a:r>
+                        <a:rPr lang="de-DE" dirty="0"/>
+                        <a:t>Edit </a:t>
+                      </a:r>
+                      <a:r>
+                        <a:rPr lang="de-DE" dirty="0" err="1"/>
+                        <a:t>room</a:t>
+                      </a:r>
+                      <a:r>
+                        <a:rPr lang="de-DE" dirty="0"/>
+                        <a:t> </a:t>
+                      </a:r>
+                      <a:r>
+                        <a:rPr lang="de-DE" dirty="0" err="1"/>
+                        <a:t>function</a:t>
+                      </a:r>
+                      <a:endParaRPr lang="de-DE" dirty="0"/>
+                    </a:p>
+                    <a:p>
+                      <a:r>
+                        <a:rPr lang="de-DE" dirty="0"/>
+                        <a:t>Update</a:t>
+                      </a:r>
+                    </a:p>
+                    <a:p>
+                      <a:r>
+                        <a:rPr lang="de-DE" dirty="0"/>
+                        <a:t>Save</a:t>
+                      </a:r>
+                    </a:p>
+                    <a:p>
+                      <a:r>
+                        <a:rPr lang="de-DE" dirty="0" err="1"/>
+                        <a:t>Cancel</a:t>
+                      </a:r>
+                      <a:r>
+                        <a:rPr lang="de-DE" dirty="0"/>
+                        <a:t> </a:t>
+                      </a:r>
+                      <a:r>
+                        <a:rPr lang="de-DE" dirty="0" err="1"/>
+                        <a:t>button</a:t>
+                      </a:r>
                       <a:endParaRPr lang="de-DE" dirty="0"/>
                     </a:p>
                   </a:txBody>
